--- a/9834ab03-843e-406b-b11d-6cb5269abc79.pptx
+++ b/9834ab03-843e-406b-b11d-6cb5269abc79.pptx
@@ -7200,7 +7200,348 @@
                 <a:ea typeface="宋体" pitchFamily="0" charset="0"/>
                 <a:cs typeface="Calibri" pitchFamily="0" charset="0"/>
               </a:rPr>
-              <a:t>A0C965508D8CE13979140431V86DF690</a:t>
+              <a:t>A</a:t>
+            </a:r>
+            <a:r>
+              <a:rPr altLang="zh-CN" baseline="0" b="0" cap="none" sz="2400" i="0" kern="1200" lang="en-US" spc="0" strike="noStrike" u="none">
+                <a:solidFill>
+                  <a:schemeClr val="tx1"/>
+                </a:solidFill>
+                <a:latin typeface="Calibri" pitchFamily="0" charset="0"/>
+                <a:ea typeface="宋体" pitchFamily="0" charset="0"/>
+                <a:cs typeface="Calibri" pitchFamily="0" charset="0"/>
+              </a:rPr>
+              <a:t>0</a:t>
+            </a:r>
+            <a:r>
+              <a:rPr altLang="zh-CN" baseline="0" b="0" cap="none" sz="2400" i="0" kern="1200" lang="en-US" spc="0" strike="noStrike" u="none">
+                <a:solidFill>
+                  <a:schemeClr val="tx1"/>
+                </a:solidFill>
+                <a:latin typeface="Calibri" pitchFamily="0" charset="0"/>
+                <a:ea typeface="宋体" pitchFamily="0" charset="0"/>
+                <a:cs typeface="Calibri" pitchFamily="0" charset="0"/>
+              </a:rPr>
+              <a:t>C</a:t>
+            </a:r>
+            <a:r>
+              <a:rPr altLang="zh-CN" baseline="0" b="0" cap="none" sz="2400" i="0" kern="1200" lang="en-US" spc="0" strike="noStrike" u="none">
+                <a:solidFill>
+                  <a:schemeClr val="tx1"/>
+                </a:solidFill>
+                <a:latin typeface="Calibri" pitchFamily="0" charset="0"/>
+                <a:ea typeface="宋体" pitchFamily="0" charset="0"/>
+                <a:cs typeface="Calibri" pitchFamily="0" charset="0"/>
+              </a:rPr>
+              <a:t>9</a:t>
+            </a:r>
+            <a:r>
+              <a:rPr altLang="zh-CN" baseline="0" b="0" cap="none" sz="2400" i="0" kern="1200" lang="en-US" spc="0" strike="noStrike" u="none">
+                <a:solidFill>
+                  <a:schemeClr val="tx1"/>
+                </a:solidFill>
+                <a:latin typeface="Calibri" pitchFamily="0" charset="0"/>
+                <a:ea typeface="宋体" pitchFamily="0" charset="0"/>
+                <a:cs typeface="Calibri" pitchFamily="0" charset="0"/>
+              </a:rPr>
+              <a:t>6</a:t>
+            </a:r>
+            <a:r>
+              <a:rPr altLang="zh-CN" baseline="0" b="0" cap="none" sz="2400" i="0" kern="1200" lang="en-US" spc="0" strike="noStrike" u="none">
+                <a:solidFill>
+                  <a:schemeClr val="tx1"/>
+                </a:solidFill>
+                <a:latin typeface="Calibri" pitchFamily="0" charset="0"/>
+                <a:ea typeface="宋体" pitchFamily="0" charset="0"/>
+                <a:cs typeface="Calibri" pitchFamily="0" charset="0"/>
+              </a:rPr>
+              <a:t>5</a:t>
+            </a:r>
+            <a:r>
+              <a:rPr altLang="zh-CN" baseline="0" b="0" cap="none" sz="2400" i="0" kern="1200" lang="en-US" spc="0" strike="noStrike" u="none">
+                <a:solidFill>
+                  <a:schemeClr val="tx1"/>
+                </a:solidFill>
+                <a:latin typeface="Calibri" pitchFamily="0" charset="0"/>
+                <a:ea typeface="宋体" pitchFamily="0" charset="0"/>
+                <a:cs typeface="Calibri" pitchFamily="0" charset="0"/>
+              </a:rPr>
+              <a:t>5</a:t>
+            </a:r>
+            <a:r>
+              <a:rPr altLang="zh-CN" baseline="0" b="0" cap="none" sz="2400" i="0" kern="1200" lang="en-US" spc="0" strike="noStrike" u="none">
+                <a:solidFill>
+                  <a:schemeClr val="tx1"/>
+                </a:solidFill>
+                <a:latin typeface="Calibri" pitchFamily="0" charset="0"/>
+                <a:ea typeface="宋体" pitchFamily="0" charset="0"/>
+                <a:cs typeface="Calibri" pitchFamily="0" charset="0"/>
+              </a:rPr>
+              <a:t>0</a:t>
+            </a:r>
+            <a:r>
+              <a:rPr altLang="zh-CN" baseline="0" b="0" cap="none" sz="2400" i="0" kern="1200" lang="en-US" spc="0" strike="noStrike" u="none">
+                <a:solidFill>
+                  <a:schemeClr val="tx1"/>
+                </a:solidFill>
+                <a:latin typeface="Calibri" pitchFamily="0" charset="0"/>
+                <a:ea typeface="宋体" pitchFamily="0" charset="0"/>
+                <a:cs typeface="Calibri" pitchFamily="0" charset="0"/>
+              </a:rPr>
+              <a:t>8</a:t>
+            </a:r>
+            <a:r>
+              <a:rPr altLang="zh-CN" baseline="0" b="0" cap="none" sz="2400" i="0" kern="1200" lang="en-US" spc="0" strike="noStrike" u="none">
+                <a:solidFill>
+                  <a:schemeClr val="tx1"/>
+                </a:solidFill>
+                <a:latin typeface="Calibri" pitchFamily="0" charset="0"/>
+                <a:ea typeface="宋体" pitchFamily="0" charset="0"/>
+                <a:cs typeface="Calibri" pitchFamily="0" charset="0"/>
+              </a:rPr>
+              <a:t>D</a:t>
+            </a:r>
+            <a:r>
+              <a:rPr altLang="zh-CN" baseline="0" b="0" cap="none" sz="2400" i="0" kern="1200" lang="en-US" spc="0" strike="noStrike" u="none">
+                <a:solidFill>
+                  <a:schemeClr val="tx1"/>
+                </a:solidFill>
+                <a:latin typeface="Calibri" pitchFamily="0" charset="0"/>
+                <a:ea typeface="宋体" pitchFamily="0" charset="0"/>
+                <a:cs typeface="Calibri" pitchFamily="0" charset="0"/>
+              </a:rPr>
+              <a:t>8</a:t>
+            </a:r>
+            <a:r>
+              <a:rPr altLang="zh-CN" baseline="0" b="0" cap="none" sz="2400" i="0" kern="1200" lang="en-US" spc="0" strike="noStrike" u="none">
+                <a:solidFill>
+                  <a:schemeClr val="tx1"/>
+                </a:solidFill>
+                <a:latin typeface="Calibri" pitchFamily="0" charset="0"/>
+                <a:ea typeface="宋体" pitchFamily="0" charset="0"/>
+                <a:cs typeface="Calibri" pitchFamily="0" charset="0"/>
+              </a:rPr>
+              <a:t>C</a:t>
+            </a:r>
+            <a:r>
+              <a:rPr altLang="zh-CN" baseline="0" b="0" cap="none" sz="2400" i="0" kern="1200" lang="en-US" spc="0" strike="noStrike" u="none">
+                <a:solidFill>
+                  <a:schemeClr val="tx1"/>
+                </a:solidFill>
+                <a:latin typeface="Calibri" pitchFamily="0" charset="0"/>
+                <a:ea typeface="宋体" pitchFamily="0" charset="0"/>
+                <a:cs typeface="Calibri" pitchFamily="0" charset="0"/>
+              </a:rPr>
+              <a:t>E</a:t>
+            </a:r>
+            <a:r>
+              <a:rPr altLang="zh-CN" baseline="0" b="0" cap="none" sz="2400" i="0" kern="1200" lang="en-US" spc="0" strike="noStrike" u="none">
+                <a:solidFill>
+                  <a:schemeClr val="tx1"/>
+                </a:solidFill>
+                <a:latin typeface="Calibri" pitchFamily="0" charset="0"/>
+                <a:ea typeface="宋体" pitchFamily="0" charset="0"/>
+                <a:cs typeface="Calibri" pitchFamily="0" charset="0"/>
+              </a:rPr>
+              <a:t>1</a:t>
+            </a:r>
+            <a:r>
+              <a:rPr altLang="zh-CN" baseline="0" b="0" cap="none" sz="2400" i="0" kern="1200" lang="en-US" spc="0" strike="noStrike" u="none">
+                <a:solidFill>
+                  <a:schemeClr val="tx1"/>
+                </a:solidFill>
+                <a:latin typeface="Calibri" pitchFamily="0" charset="0"/>
+                <a:ea typeface="宋体" pitchFamily="0" charset="0"/>
+                <a:cs typeface="Calibri" pitchFamily="0" charset="0"/>
+              </a:rPr>
+              <a:t>3</a:t>
+            </a:r>
+            <a:r>
+              <a:rPr altLang="zh-CN" baseline="0" b="0" cap="none" sz="2400" i="0" kern="1200" lang="en-US" spc="0" strike="noStrike" u="none">
+                <a:solidFill>
+                  <a:schemeClr val="tx1"/>
+                </a:solidFill>
+                <a:latin typeface="Calibri" pitchFamily="0" charset="0"/>
+                <a:ea typeface="宋体" pitchFamily="0" charset="0"/>
+                <a:cs typeface="Calibri" pitchFamily="0" charset="0"/>
+              </a:rPr>
+              <a:t>9</a:t>
+            </a:r>
+            <a:r>
+              <a:rPr altLang="zh-CN" baseline="0" b="0" cap="none" sz="2400" i="0" kern="1200" lang="en-US" spc="0" strike="noStrike" u="none">
+                <a:solidFill>
+                  <a:schemeClr val="tx1"/>
+                </a:solidFill>
+                <a:latin typeface="Calibri" pitchFamily="0" charset="0"/>
+                <a:ea typeface="宋体" pitchFamily="0" charset="0"/>
+                <a:cs typeface="Calibri" pitchFamily="0" charset="0"/>
+              </a:rPr>
+              <a:t>7</a:t>
+            </a:r>
+            <a:r>
+              <a:rPr altLang="zh-CN" baseline="0" b="0" cap="none" sz="2400" i="0" kern="1200" lang="en-US" spc="0" strike="noStrike" u="none">
+                <a:solidFill>
+                  <a:schemeClr val="tx1"/>
+                </a:solidFill>
+                <a:latin typeface="Calibri" pitchFamily="0" charset="0"/>
+                <a:ea typeface="宋体" pitchFamily="0" charset="0"/>
+                <a:cs typeface="Calibri" pitchFamily="0" charset="0"/>
+              </a:rPr>
+              <a:t>9</a:t>
+            </a:r>
+            <a:r>
+              <a:rPr altLang="zh-CN" baseline="0" b="0" cap="none" sz="2400" i="0" kern="1200" lang="en-US" spc="0" strike="noStrike" u="none">
+                <a:solidFill>
+                  <a:schemeClr val="tx1"/>
+                </a:solidFill>
+                <a:latin typeface="Calibri" pitchFamily="0" charset="0"/>
+                <a:ea typeface="宋体" pitchFamily="0" charset="0"/>
+                <a:cs typeface="Calibri" pitchFamily="0" charset="0"/>
+              </a:rPr>
+              <a:t>1</a:t>
+            </a:r>
+            <a:r>
+              <a:rPr altLang="zh-CN" baseline="0" b="0" cap="none" sz="2400" i="0" kern="1200" lang="en-US" spc="0" strike="noStrike" u="none">
+                <a:solidFill>
+                  <a:schemeClr val="tx1"/>
+                </a:solidFill>
+                <a:latin typeface="Calibri" pitchFamily="0" charset="0"/>
+                <a:ea typeface="宋体" pitchFamily="0" charset="0"/>
+                <a:cs typeface="Calibri" pitchFamily="0" charset="0"/>
+              </a:rPr>
+              <a:t>4</a:t>
+            </a:r>
+            <a:r>
+              <a:rPr altLang="zh-CN" baseline="0" b="0" cap="none" sz="2400" i="0" kern="1200" lang="en-US" spc="0" strike="noStrike" u="none">
+                <a:solidFill>
+                  <a:schemeClr val="tx1"/>
+                </a:solidFill>
+                <a:latin typeface="Calibri" pitchFamily="0" charset="0"/>
+                <a:ea typeface="宋体" pitchFamily="0" charset="0"/>
+                <a:cs typeface="Calibri" pitchFamily="0" charset="0"/>
+              </a:rPr>
+              <a:t>0</a:t>
+            </a:r>
+            <a:r>
+              <a:rPr altLang="zh-CN" baseline="0" b="0" cap="none" sz="2400" i="0" kern="1200" lang="en-US" spc="0" strike="noStrike" u="none">
+                <a:solidFill>
+                  <a:schemeClr val="tx1"/>
+                </a:solidFill>
+                <a:latin typeface="Calibri" pitchFamily="0" charset="0"/>
+                <a:ea typeface="宋体" pitchFamily="0" charset="0"/>
+                <a:cs typeface="Calibri" pitchFamily="0" charset="0"/>
+              </a:rPr>
+              <a:t>4</a:t>
+            </a:r>
+            <a:r>
+              <a:rPr altLang="zh-CN" baseline="0" b="0" cap="none" sz="2400" i="0" kern="1200" lang="en-US" spc="0" strike="noStrike" u="none">
+                <a:solidFill>
+                  <a:schemeClr val="tx1"/>
+                </a:solidFill>
+                <a:latin typeface="Calibri" pitchFamily="0" charset="0"/>
+                <a:ea typeface="宋体" pitchFamily="0" charset="0"/>
+                <a:cs typeface="Calibri" pitchFamily="0" charset="0"/>
+              </a:rPr>
+              <a:t>3</a:t>
+            </a:r>
+            <a:r>
+              <a:rPr altLang="zh-CN" baseline="0" b="0" cap="none" sz="2400" i="0" kern="1200" lang="en-US" spc="0" strike="noStrike" u="none">
+                <a:solidFill>
+                  <a:schemeClr val="tx1"/>
+                </a:solidFill>
+                <a:latin typeface="Calibri" pitchFamily="0" charset="0"/>
+                <a:ea typeface="宋体" pitchFamily="0" charset="0"/>
+                <a:cs typeface="Calibri" pitchFamily="0" charset="0"/>
+              </a:rPr>
+              <a:t>1</a:t>
+            </a:r>
+            <a:r>
+              <a:rPr altLang="zh-CN" baseline="0" b="0" cap="none" sz="2400" i="0" kern="1200" lang="en-US" spc="0" strike="noStrike" u="none">
+                <a:solidFill>
+                  <a:schemeClr val="tx1"/>
+                </a:solidFill>
+                <a:latin typeface="Calibri" pitchFamily="0" charset="0"/>
+                <a:ea typeface="宋体" pitchFamily="0" charset="0"/>
+                <a:cs typeface="Calibri" pitchFamily="0" charset="0"/>
+              </a:rPr>
+              <a:t>V</a:t>
+            </a:r>
+            <a:r>
+              <a:rPr altLang="zh-CN" baseline="0" b="0" cap="none" sz="2400" i="0" kern="1200" lang="en-US" spc="0" strike="noStrike" u="none">
+                <a:solidFill>
+                  <a:schemeClr val="tx1"/>
+                </a:solidFill>
+                <a:latin typeface="Calibri" pitchFamily="0" charset="0"/>
+                <a:ea typeface="宋体" pitchFamily="0" charset="0"/>
+                <a:cs typeface="Calibri" pitchFamily="0" charset="0"/>
+              </a:rPr>
+              <a:t>8</a:t>
+            </a:r>
+            <a:r>
+              <a:rPr altLang="zh-CN" baseline="0" b="0" cap="none" sz="2400" i="0" kern="1200" lang="en-US" spc="0" strike="noStrike" u="none">
+                <a:solidFill>
+                  <a:schemeClr val="tx1"/>
+                </a:solidFill>
+                <a:latin typeface="Calibri" pitchFamily="0" charset="0"/>
+                <a:ea typeface="宋体" pitchFamily="0" charset="0"/>
+                <a:cs typeface="Calibri" pitchFamily="0" charset="0"/>
+              </a:rPr>
+              <a:t>6</a:t>
+            </a:r>
+            <a:r>
+              <a:rPr altLang="zh-CN" baseline="0" b="0" cap="none" sz="2400" i="0" kern="1200" lang="en-US" spc="0" strike="noStrike" u="none">
+                <a:solidFill>
+                  <a:schemeClr val="tx1"/>
+                </a:solidFill>
+                <a:latin typeface="Calibri" pitchFamily="0" charset="0"/>
+                <a:ea typeface="宋体" pitchFamily="0" charset="0"/>
+                <a:cs typeface="Calibri" pitchFamily="0" charset="0"/>
+              </a:rPr>
+              <a:t>D</a:t>
+            </a:r>
+            <a:r>
+              <a:rPr altLang="zh-CN" baseline="0" b="0" cap="none" sz="2400" i="0" kern="1200" lang="en-US" spc="0" strike="noStrike" u="none">
+                <a:solidFill>
+                  <a:schemeClr val="tx1"/>
+                </a:solidFill>
+                <a:latin typeface="Calibri" pitchFamily="0" charset="0"/>
+                <a:ea typeface="宋体" pitchFamily="0" charset="0"/>
+                <a:cs typeface="Calibri" pitchFamily="0" charset="0"/>
+              </a:rPr>
+              <a:t>F</a:t>
+            </a:r>
+            <a:r>
+              <a:rPr altLang="zh-CN" baseline="0" b="0" cap="none" sz="2400" i="0" kern="1200" lang="en-US" spc="0" strike="noStrike" u="none">
+                <a:solidFill>
+                  <a:schemeClr val="tx1"/>
+                </a:solidFill>
+                <a:latin typeface="Calibri" pitchFamily="0" charset="0"/>
+                <a:ea typeface="宋体" pitchFamily="0" charset="0"/>
+                <a:cs typeface="Calibri" pitchFamily="0" charset="0"/>
+              </a:rPr>
+              <a:t>6</a:t>
+            </a:r>
+            <a:r>
+              <a:rPr altLang="zh-CN" baseline="0" b="0" cap="none" sz="2400" i="0" kern="1200" lang="en-US" spc="0" strike="noStrike" u="none">
+                <a:solidFill>
+                  <a:schemeClr val="tx1"/>
+                </a:solidFill>
+                <a:latin typeface="Calibri" pitchFamily="0" charset="0"/>
+                <a:ea typeface="宋体" pitchFamily="0" charset="0"/>
+                <a:cs typeface="Calibri" pitchFamily="0" charset="0"/>
+              </a:rPr>
+              <a:t>9</a:t>
+            </a:r>
+            <a:r>
+              <a:rPr altLang="zh-CN" baseline="0" b="0" cap="none" sz="2400" i="0" kern="1200" lang="en-US" spc="0" strike="noStrike" u="none">
+                <a:solidFill>
+                  <a:schemeClr val="tx1"/>
+                </a:solidFill>
+                <a:latin typeface="Calibri" pitchFamily="0" charset="0"/>
+                <a:ea typeface="宋体" pitchFamily="0" charset="0"/>
+                <a:cs typeface="Calibri" pitchFamily="0" charset="0"/>
+              </a:rPr>
+              <a:t>0</a:t>
             </a:r>
             <a:endParaRPr altLang="zh-CN" baseline="0" b="0" cap="none" sz="2400" i="0" kern="1200" lang="en-US" spc="0" strike="noStrike" u="none">
               <a:solidFill>
@@ -17405,7 +17746,7 @@
         <p:spPr>
           <a:xfrm rot="0">
             <a:off x="755332" y="385444"/>
-            <a:ext cx="10681335" cy="758190"/>
+            <a:ext cx="10681335" cy="815340"/>
           </a:xfrm>
           <a:prstGeom prst="rect"/>
           <a:noFill/>
